--- a/系統安全/作業/20210223_4080E024_powershell.pptx
+++ b/系統安全/作業/20210223_4080E024_powershell.pptx
@@ -7,10 +7,10 @@
   <p:sldIdLst>
     <p:sldId id="256" r:id="rId2"/>
     <p:sldId id="263" r:id="rId3"/>
-    <p:sldId id="343" r:id="rId4"/>
-    <p:sldId id="354" r:id="rId5"/>
-    <p:sldId id="344" r:id="rId6"/>
-    <p:sldId id="348" r:id="rId7"/>
+    <p:sldId id="364" r:id="rId4"/>
+    <p:sldId id="343" r:id="rId5"/>
+    <p:sldId id="354" r:id="rId6"/>
+    <p:sldId id="363" r:id="rId7"/>
     <p:sldId id="355" r:id="rId8"/>
     <p:sldId id="356" r:id="rId9"/>
     <p:sldId id="359" r:id="rId10"/>
@@ -19,11 +19,7 @@
     <p:sldId id="353" r:id="rId13"/>
     <p:sldId id="360" r:id="rId14"/>
     <p:sldId id="351" r:id="rId15"/>
-    <p:sldId id="347" r:id="rId16"/>
-    <p:sldId id="342" r:id="rId17"/>
-    <p:sldId id="346" r:id="rId18"/>
-    <p:sldId id="350" r:id="rId19"/>
-    <p:sldId id="352" r:id="rId20"/>
+    <p:sldId id="362" r:id="rId16"/>
   </p:sldIdLst>
   <p:sldSz cx="9144000" cy="6858000" type="screen4x3"/>
   <p:notesSz cx="6858000" cy="9144000"/>
@@ -3693,8 +3689,8 @@
         </p:nvSpPr>
         <p:spPr bwMode="auto">
           <a:xfrm>
-            <a:off x="628650" y="750908"/>
-            <a:ext cx="8067914" cy="553998"/>
+            <a:off x="479834" y="612409"/>
+            <a:ext cx="8455936" cy="830997"/>
           </a:xfrm>
           <a:prstGeom prst="rect">
             <a:avLst/>
@@ -3734,7 +3730,7 @@
           </a:extLst>
         </p:spPr>
         <p:txBody>
-          <a:bodyPr vert="horz" wrap="none" lIns="0" tIns="0" rIns="0" bIns="0" numCol="1" anchor="ctr" anchorCtr="0" compatLnSpc="1">
+          <a:bodyPr vert="horz" wrap="square" lIns="0" tIns="0" rIns="0" bIns="0" numCol="1" anchor="ctr" anchorCtr="0" compatLnSpc="1">
             <a:prstTxWarp prst="textNoShape">
               <a:avLst/>
             </a:prstTxWarp>
@@ -3932,7 +3928,19 @@
           <a:bodyPr/>
           <a:lstStyle/>
           <a:p>
-            <a:endParaRPr lang="zh-TW" altLang="en-US"/>
+            <a:r>
+              <a:rPr lang="en-US" altLang="zh-TW" dirty="0"/>
+              <a:t>PowerShell</a:t>
+            </a:r>
+            <a:r>
+              <a:rPr lang="zh-TW" altLang="en-US" dirty="0"/>
+              <a:t> </a:t>
+            </a:r>
+            <a:r>
+              <a:rPr lang="en-US" altLang="zh-TW" dirty="0"/>
+              <a:t>ISE </a:t>
+            </a:r>
+            <a:endParaRPr lang="zh-TW" altLang="en-US" dirty="0"/>
           </a:p>
         </p:txBody>
       </p:sp>
@@ -3952,7 +3960,7 @@
         </p:blipFill>
         <p:spPr>
           <a:xfrm>
-            <a:off x="628650" y="1989453"/>
+            <a:off x="617696" y="1853651"/>
             <a:ext cx="7908607" cy="4185010"/>
           </a:xfrm>
           <a:prstGeom prst="rect">
@@ -3960,6 +3968,162 @@
           </a:prstGeom>
         </p:spPr>
       </p:pic>
+      <p:sp>
+        <p:nvSpPr>
+          <p:cNvPr id="4" name="矩形 3">
+            <a:extLst>
+              <a:ext uri="{FF2B5EF4-FFF2-40B4-BE49-F238E27FC236}">
+                <a16:creationId xmlns:a16="http://schemas.microsoft.com/office/drawing/2014/main" id="{B905BD19-4428-4798-8433-007594EF95D7}"/>
+              </a:ext>
+            </a:extLst>
+          </p:cNvPr>
+          <p:cNvSpPr/>
+          <p:nvPr/>
+        </p:nvSpPr>
+        <p:spPr>
+          <a:xfrm>
+            <a:off x="617695" y="4318502"/>
+            <a:ext cx="4443191" cy="660903"/>
+          </a:xfrm>
+          <a:prstGeom prst="rect">
+            <a:avLst/>
+          </a:prstGeom>
+          <a:noFill/>
+          <a:ln w="38100">
+            <a:solidFill>
+              <a:srgbClr val="FF0000"/>
+            </a:solidFill>
+          </a:ln>
+        </p:spPr>
+        <p:style>
+          <a:lnRef idx="2">
+            <a:schemeClr val="accent1">
+              <a:shade val="50000"/>
+            </a:schemeClr>
+          </a:lnRef>
+          <a:fillRef idx="1">
+            <a:schemeClr val="accent1"/>
+          </a:fillRef>
+          <a:effectRef idx="0">
+            <a:schemeClr val="accent1"/>
+          </a:effectRef>
+          <a:fontRef idx="minor">
+            <a:schemeClr val="lt1"/>
+          </a:fontRef>
+        </p:style>
+        <p:txBody>
+          <a:bodyPr rtlCol="0" anchor="ctr"/>
+          <a:lstStyle/>
+          <a:p>
+            <a:pPr algn="ctr"/>
+            <a:endParaRPr lang="zh-TW" altLang="en-US"/>
+          </a:p>
+        </p:txBody>
+      </p:sp>
+      <p:sp>
+        <p:nvSpPr>
+          <p:cNvPr id="7" name="文字方塊 6">
+            <a:extLst>
+              <a:ext uri="{FF2B5EF4-FFF2-40B4-BE49-F238E27FC236}">
+                <a16:creationId xmlns:a16="http://schemas.microsoft.com/office/drawing/2014/main" id="{A6677C4A-03C2-48B0-8DD9-35C9289E22BC}"/>
+              </a:ext>
+            </a:extLst>
+          </p:cNvPr>
+          <p:cNvSpPr txBox="1"/>
+          <p:nvPr/>
+        </p:nvSpPr>
+        <p:spPr>
+          <a:xfrm>
+            <a:off x="3033569" y="3136702"/>
+            <a:ext cx="2913900" cy="646331"/>
+          </a:xfrm>
+          <a:prstGeom prst="rect">
+            <a:avLst/>
+          </a:prstGeom>
+          <a:noFill/>
+        </p:spPr>
+        <p:txBody>
+          <a:bodyPr wrap="square" rtlCol="0">
+            <a:spAutoFit/>
+          </a:bodyPr>
+          <a:lstStyle/>
+          <a:p>
+            <a:r>
+              <a:rPr lang="en-US" altLang="zh-TW" b="1" dirty="0">
+                <a:solidFill>
+                  <a:srgbClr val="FF0000"/>
+                </a:solidFill>
+              </a:rPr>
+              <a:t>execution policy </a:t>
+            </a:r>
+            <a:r>
+              <a:rPr lang="zh-TW" altLang="en-US" b="1" dirty="0">
+                <a:solidFill>
+                  <a:srgbClr val="FF0000"/>
+                </a:solidFill>
+              </a:rPr>
+              <a:t>執行策略</a:t>
+            </a:r>
+          </a:p>
+          <a:p>
+            <a:endParaRPr lang="zh-TW" altLang="en-US" dirty="0"/>
+          </a:p>
+        </p:txBody>
+      </p:sp>
+      <p:sp>
+        <p:nvSpPr>
+          <p:cNvPr id="2" name="箭號: 向下 1">
+            <a:extLst>
+              <a:ext uri="{FF2B5EF4-FFF2-40B4-BE49-F238E27FC236}">
+                <a16:creationId xmlns:a16="http://schemas.microsoft.com/office/drawing/2014/main" id="{21847733-8B22-4088-B2D7-9295DA2C8CAE}"/>
+              </a:ext>
+            </a:extLst>
+          </p:cNvPr>
+          <p:cNvSpPr/>
+          <p:nvPr/>
+        </p:nvSpPr>
+        <p:spPr>
+          <a:xfrm>
+            <a:off x="4327556" y="3783033"/>
+            <a:ext cx="325926" cy="376376"/>
+          </a:xfrm>
+          <a:prstGeom prst="downArrow">
+            <a:avLst/>
+          </a:prstGeom>
+          <a:solidFill>
+            <a:srgbClr val="FF0000"/>
+          </a:solidFill>
+          <a:ln>
+            <a:solidFill>
+              <a:srgbClr val="FF0000"/>
+            </a:solidFill>
+          </a:ln>
+        </p:spPr>
+        <p:style>
+          <a:lnRef idx="2">
+            <a:schemeClr val="accent1">
+              <a:shade val="50000"/>
+            </a:schemeClr>
+          </a:lnRef>
+          <a:fillRef idx="1">
+            <a:schemeClr val="accent1"/>
+          </a:fillRef>
+          <a:effectRef idx="0">
+            <a:schemeClr val="accent1"/>
+          </a:effectRef>
+          <a:fontRef idx="minor">
+            <a:schemeClr val="lt1"/>
+          </a:fontRef>
+        </p:style>
+        <p:txBody>
+          <a:bodyPr rtlCol="0" anchor="ctr"/>
+          <a:lstStyle/>
+          <a:p>
+            <a:pPr algn="ctr"/>
+            <a:endParaRPr lang="zh-TW" altLang="en-US"/>
+          </a:p>
+        </p:txBody>
+      </p:sp>
     </p:spTree>
     <p:extLst>
       <p:ext uri="{BB962C8B-B14F-4D97-AF65-F5344CB8AC3E}">
@@ -3992,1009 +4156,293 @@
       </p:grpSpPr>
       <p:sp>
         <p:nvSpPr>
-          <p:cNvPr id="6" name="Rectangle 3"/>
-          <p:cNvSpPr>
-            <a:spLocks noGrp="1" noChangeArrowheads="1"/>
+          <p:cNvPr id="3" name="標題 1">
+            <a:extLst>
+              <a:ext uri="{FF2B5EF4-FFF2-40B4-BE49-F238E27FC236}">
+                <a16:creationId xmlns:a16="http://schemas.microsoft.com/office/drawing/2014/main" id="{BF172351-A908-4A3C-8309-73F0CC1E9B0A}"/>
+              </a:ext>
+            </a:extLst>
+          </p:cNvPr>
+          <p:cNvSpPr>
+            <a:spLocks noGrp="1"/>
           </p:cNvSpPr>
           <p:nvPr>
             <p:ph type="title"/>
           </p:nvPr>
         </p:nvSpPr>
-        <p:spPr bwMode="auto">
-          <a:xfrm>
-            <a:off x="628650" y="843243"/>
-            <a:ext cx="6410409" cy="369332"/>
-          </a:xfrm>
-          <a:prstGeom prst="rect">
-            <a:avLst/>
-          </a:prstGeom>
-          <a:noFill/>
-          <a:ln>
-            <a:noFill/>
-          </a:ln>
-          <a:effectLst/>
-          <a:extLst>
-            <a:ext uri="{909E8E84-426E-40DD-AFC4-6F175D3DCCD1}">
-              <a14:hiddenFill xmlns:a14="http://schemas.microsoft.com/office/drawing/2010/main">
-                <a:solidFill>
-                  <a:schemeClr val="accent1"/>
-                </a:solidFill>
-              </a14:hiddenFill>
-            </a:ext>
-            <a:ext uri="{91240B29-F687-4F45-9708-019B960494DF}">
-              <a14:hiddenLine xmlns:a14="http://schemas.microsoft.com/office/drawing/2010/main" w="9525">
-                <a:solidFill>
-                  <a:schemeClr val="tx1"/>
-                </a:solidFill>
-                <a:miter lim="800000"/>
-                <a:headEnd/>
-                <a:tailEnd/>
-              </a14:hiddenLine>
-            </a:ext>
-            <a:ext uri="{AF507438-7753-43E0-B8FC-AC1667EBCBE1}">
-              <a14:hiddenEffects xmlns:a14="http://schemas.microsoft.com/office/drawing/2010/main">
-                <a:effectLst>
-                  <a:outerShdw dist="35921" dir="2700000" algn="ctr" rotWithShape="0">
-                    <a:schemeClr val="bg2"/>
-                  </a:outerShdw>
-                </a:effectLst>
-              </a14:hiddenEffects>
-            </a:ext>
-          </a:extLst>
-        </p:spPr>
-        <p:txBody>
-          <a:bodyPr vert="horz" wrap="none" lIns="0" tIns="0" rIns="0" bIns="0" numCol="1" anchor="ctr" anchorCtr="0" compatLnSpc="1">
-            <a:prstTxWarp prst="textNoShape">
-              <a:avLst/>
-            </a:prstTxWarp>
-            <a:spAutoFit/>
-          </a:bodyPr>
-          <a:lstStyle/>
-          <a:p>
-            <a:pPr eaLnBrk="0" fontAlgn="base" hangingPunct="0">
-              <a:lnSpc>
-                <a:spcPct val="100000"/>
-              </a:lnSpc>
-              <a:spcAft>
-                <a:spcPct val="0"/>
-              </a:spcAft>
-            </a:pPr>
-            <a:r>
-              <a:rPr lang="zh-TW" altLang="zh-TW" sz="2400" dirty="0">
-                <a:latin typeface="Arial Unicode MS"/>
-                <a:ea typeface="SFMono-Regular"/>
-              </a:rPr>
-              <a:t>powershell_ise.exe</a:t>
-            </a:r>
-            <a:r>
-              <a:rPr lang="zh-TW" altLang="zh-TW" sz="2400" dirty="0"/>
-              <a:t> </a:t>
-            </a:r>
-            <a:r>
-              <a:rPr lang="en-US" altLang="zh-TW" sz="2400" dirty="0">
-                <a:latin typeface="Arial" panose="020B0604020202020204" pitchFamily="34" charset="0"/>
-              </a:rPr>
-              <a:t> </a:t>
-            </a:r>
-            <a:r>
-              <a:rPr lang="en-US" altLang="zh-TW" sz="2400" dirty="0">
-                <a:latin typeface="Arial" panose="020B0604020202020204" pitchFamily="34" charset="0"/>
-                <a:sym typeface="Wingdings" panose="05000000000000000000" pitchFamily="2" charset="2"/>
-              </a:rPr>
-              <a:t></a:t>
-            </a:r>
-            <a:r>
-              <a:rPr kumimoji="0" lang="zh-TW" altLang="zh-TW" sz="2000" b="0" i="0" u="none" strike="noStrike" cap="none" normalizeH="0" baseline="0" dirty="0">
-                <a:ln>
-                  <a:noFill/>
-                </a:ln>
-                <a:effectLst/>
-                <a:latin typeface="Arial Unicode MS"/>
-                <a:ea typeface="SFMono-Regular"/>
-              </a:rPr>
-              <a:t>Write-Host 'Hello, I am in a script!'</a:t>
-            </a:r>
-            <a:r>
-              <a:rPr kumimoji="0" lang="zh-TW" altLang="zh-TW" sz="2000" b="0" i="0" u="none" strike="noStrike" cap="none" normalizeH="0" baseline="0" dirty="0">
-                <a:ln>
-                  <a:noFill/>
-                </a:ln>
-                <a:effectLst/>
-              </a:rPr>
-              <a:t> </a:t>
-            </a:r>
-            <a:endParaRPr kumimoji="0" lang="zh-TW" altLang="zh-TW" sz="2000" b="0" i="0" u="none" strike="noStrike" cap="none" normalizeH="0" baseline="0" dirty="0">
-              <a:ln>
-                <a:noFill/>
-              </a:ln>
-              <a:effectLst/>
-              <a:latin typeface="Arial" panose="020B0604020202020204" pitchFamily="34" charset="0"/>
-            </a:endParaRPr>
-          </a:p>
-        </p:txBody>
-      </p:sp>
-      <p:pic>
-        <p:nvPicPr>
-          <p:cNvPr id="9" name="圖片 8"/>
-          <p:cNvPicPr>
-            <a:picLocks noChangeAspect="1"/>
-          </p:cNvPicPr>
-          <p:nvPr/>
-        </p:nvPicPr>
-        <p:blipFill>
-          <a:blip r:embed="rId2"/>
-          <a:stretch>
-            <a:fillRect/>
-          </a:stretch>
-        </p:blipFill>
         <p:spPr>
           <a:xfrm>
-            <a:off x="628650" y="1278465"/>
-            <a:ext cx="7951930" cy="4207935"/>
+            <a:off x="628650" y="365126"/>
+            <a:ext cx="7886700" cy="1325563"/>
+          </a:xfrm>
+        </p:spPr>
+        <p:txBody>
+          <a:bodyPr/>
+          <a:lstStyle/>
+          <a:p>
+            <a:r>
+              <a:rPr lang="zh-TW" altLang="en-US" dirty="0"/>
+              <a:t>學習心得</a:t>
+            </a:r>
+            <a:br>
+              <a:rPr lang="zh-TW" altLang="en-US" dirty="0"/>
+            </a:br>
+            <a:endParaRPr lang="zh-TW" altLang="en-US" dirty="0"/>
+          </a:p>
+        </p:txBody>
+      </p:sp>
+      <p:sp>
+        <p:nvSpPr>
+          <p:cNvPr id="4" name="內容版面配置區 2">
+            <a:extLst>
+              <a:ext uri="{FF2B5EF4-FFF2-40B4-BE49-F238E27FC236}">
+                <a16:creationId xmlns:a16="http://schemas.microsoft.com/office/drawing/2014/main" id="{B3F10EBF-ECC3-40FB-99E0-A31760D862B7}"/>
+              </a:ext>
+            </a:extLst>
+          </p:cNvPr>
+          <p:cNvSpPr txBox="1">
+            <a:spLocks/>
+          </p:cNvSpPr>
+          <p:nvPr/>
+        </p:nvSpPr>
+        <p:spPr>
+          <a:xfrm>
+            <a:off x="628650" y="1825625"/>
+            <a:ext cx="7886700" cy="4351338"/>
           </a:xfrm>
           <a:prstGeom prst="rect">
             <a:avLst/>
           </a:prstGeom>
         </p:spPr>
-      </p:pic>
-    </p:spTree>
-    <p:extLst>
-      <p:ext uri="{BB962C8B-B14F-4D97-AF65-F5344CB8AC3E}">
-        <p14:creationId xmlns:p14="http://schemas.microsoft.com/office/powerpoint/2010/main" val="765853179"/>
-      </p:ext>
-    </p:extLst>
-  </p:cSld>
-  <p:clrMapOvr>
-    <a:masterClrMapping/>
-  </p:clrMapOvr>
-</p:sld>
-</file>
-
-<file path=ppt/slides/slide16.xml><?xml version="1.0" encoding="utf-8"?>
-<p:sld xmlns:a="http://schemas.openxmlformats.org/drawingml/2006/main" xmlns:r="http://schemas.openxmlformats.org/officeDocument/2006/relationships" xmlns:p="http://schemas.openxmlformats.org/presentationml/2006/main">
-  <p:cSld>
-    <p:spTree>
-      <p:nvGrpSpPr>
-        <p:cNvPr id="1" name=""/>
-        <p:cNvGrpSpPr/>
-        <p:nvPr/>
-      </p:nvGrpSpPr>
-      <p:grpSpPr>
-        <a:xfrm>
-          <a:off x="0" y="0"/>
-          <a:ext cx="0" cy="0"/>
-          <a:chOff x="0" y="0"/>
-          <a:chExt cx="0" cy="0"/>
-        </a:xfrm>
-      </p:grpSpPr>
-      <p:pic>
-        <p:nvPicPr>
-          <p:cNvPr id="2" name="圖片 1"/>
-          <p:cNvPicPr>
-            <a:picLocks noChangeAspect="1"/>
-          </p:cNvPicPr>
-          <p:nvPr/>
-        </p:nvPicPr>
-        <p:blipFill>
-          <a:blip r:embed="rId2"/>
-          <a:stretch>
-            <a:fillRect/>
-          </a:stretch>
-        </p:blipFill>
-        <p:spPr>
-          <a:xfrm>
-            <a:off x="255159" y="2208852"/>
-            <a:ext cx="3834074" cy="3124966"/>
-          </a:xfrm>
-          <a:prstGeom prst="rect">
-            <a:avLst/>
-          </a:prstGeom>
-        </p:spPr>
-      </p:pic>
-      <p:pic>
-        <p:nvPicPr>
-          <p:cNvPr id="3" name="圖片 2"/>
-          <p:cNvPicPr>
-            <a:picLocks noChangeAspect="1"/>
-          </p:cNvPicPr>
-          <p:nvPr/>
-        </p:nvPicPr>
-        <p:blipFill>
-          <a:blip r:embed="rId3"/>
-          <a:stretch>
-            <a:fillRect/>
-          </a:stretch>
-        </p:blipFill>
-        <p:spPr>
-          <a:xfrm>
-            <a:off x="4089233" y="3926963"/>
-            <a:ext cx="4497815" cy="2039097"/>
-          </a:xfrm>
-          <a:prstGeom prst="rect">
-            <a:avLst/>
-          </a:prstGeom>
-        </p:spPr>
-      </p:pic>
-    </p:spTree>
-    <p:extLst>
-      <p:ext uri="{BB962C8B-B14F-4D97-AF65-F5344CB8AC3E}">
-        <p14:creationId xmlns:p14="http://schemas.microsoft.com/office/powerpoint/2010/main" val="1253488346"/>
-      </p:ext>
-    </p:extLst>
-  </p:cSld>
-  <p:clrMapOvr>
-    <a:masterClrMapping/>
-  </p:clrMapOvr>
-</p:sld>
-</file>
-
-<file path=ppt/slides/slide17.xml><?xml version="1.0" encoding="utf-8"?>
-<p:sld xmlns:a="http://schemas.openxmlformats.org/drawingml/2006/main" xmlns:r="http://schemas.openxmlformats.org/officeDocument/2006/relationships" xmlns:p="http://schemas.openxmlformats.org/presentationml/2006/main">
-  <p:cSld>
-    <p:spTree>
-      <p:nvGrpSpPr>
-        <p:cNvPr id="1" name=""/>
-        <p:cNvGrpSpPr/>
-        <p:nvPr/>
-      </p:nvGrpSpPr>
-      <p:grpSpPr>
-        <a:xfrm>
-          <a:off x="0" y="0"/>
-          <a:ext cx="0" cy="0"/>
-          <a:chOff x="0" y="0"/>
-          <a:chExt cx="0" cy="0"/>
-        </a:xfrm>
-      </p:grpSpPr>
-      <p:sp>
-        <p:nvSpPr>
-          <p:cNvPr id="3" name="Rectangle 1"/>
-          <p:cNvSpPr>
-            <a:spLocks noGrp="1" noChangeArrowheads="1"/>
-          </p:cNvSpPr>
-          <p:nvPr>
-            <p:ph type="title"/>
-          </p:nvPr>
-        </p:nvSpPr>
-        <p:spPr bwMode="auto">
-          <a:xfrm>
-            <a:off x="628650" y="874019"/>
-            <a:ext cx="1489190" cy="307777"/>
-          </a:xfrm>
-          <a:prstGeom prst="rect">
-            <a:avLst/>
-          </a:prstGeom>
-          <a:noFill/>
-          <a:ln>
-            <a:noFill/>
-          </a:ln>
-          <a:effectLst/>
-          <a:extLst>
-            <a:ext uri="{909E8E84-426E-40DD-AFC4-6F175D3DCCD1}">
-              <a14:hiddenFill xmlns:a14="http://schemas.microsoft.com/office/drawing/2010/main">
-                <a:solidFill>
-                  <a:schemeClr val="accent1"/>
-                </a:solidFill>
-              </a14:hiddenFill>
-            </a:ext>
-            <a:ext uri="{91240B29-F687-4F45-9708-019B960494DF}">
-              <a14:hiddenLine xmlns:a14="http://schemas.microsoft.com/office/drawing/2010/main" w="9525">
+        <p:txBody>
+          <a:bodyPr/>
+          <a:lstStyle>
+            <a:lvl1pPr marL="228600" indent="-228600" algn="l" defTabSz="914400" rtl="0" eaLnBrk="1" latinLnBrk="0" hangingPunct="1">
+              <a:lnSpc>
+                <a:spcPct val="90000"/>
+              </a:lnSpc>
+              <a:spcBef>
+                <a:spcPts val="1000"/>
+              </a:spcBef>
+              <a:buFont typeface="Arial" panose="020B0604020202020204" pitchFamily="34" charset="0"/>
+              <a:buChar char="•"/>
+              <a:defRPr sz="2800" kern="1200">
                 <a:solidFill>
                   <a:schemeClr val="tx1"/>
                 </a:solidFill>
-                <a:miter lim="800000"/>
-                <a:headEnd/>
-                <a:tailEnd/>
-              </a14:hiddenLine>
-            </a:ext>
-            <a:ext uri="{AF507438-7753-43E0-B8FC-AC1667EBCBE1}">
-              <a14:hiddenEffects xmlns:a14="http://schemas.microsoft.com/office/drawing/2010/main">
-                <a:effectLst>
-                  <a:outerShdw dist="35921" dir="2700000" algn="ctr" rotWithShape="0">
-                    <a:schemeClr val="bg2"/>
-                  </a:outerShdw>
-                </a:effectLst>
-              </a14:hiddenEffects>
-            </a:ext>
-          </a:extLst>
-        </p:spPr>
-        <p:txBody>
-          <a:bodyPr vert="horz" wrap="none" lIns="0" tIns="0" rIns="0" bIns="0" numCol="1" anchor="ctr" anchorCtr="0" compatLnSpc="1">
-            <a:prstTxWarp prst="textNoShape">
-              <a:avLst/>
-            </a:prstTxWarp>
-            <a:spAutoFit/>
-          </a:bodyPr>
-          <a:lstStyle/>
-          <a:p>
-            <a:pPr marL="0" marR="0" lvl="0" indent="0" algn="l" defTabSz="914400" rtl="0" eaLnBrk="0" fontAlgn="base" latinLnBrk="0" hangingPunct="0">
+                <a:latin typeface="+mn-lt"/>
+                <a:ea typeface="+mn-ea"/>
+                <a:cs typeface="+mn-cs"/>
+              </a:defRPr>
+            </a:lvl1pPr>
+            <a:lvl2pPr marL="685800" indent="-228600" algn="l" defTabSz="914400" rtl="0" eaLnBrk="1" latinLnBrk="0" hangingPunct="1">
               <a:lnSpc>
-                <a:spcPct val="100000"/>
+                <a:spcPct val="90000"/>
               </a:lnSpc>
               <a:spcBef>
-                <a:spcPct val="0"/>
+                <a:spcPts val="500"/>
               </a:spcBef>
-              <a:spcAft>
-                <a:spcPct val="0"/>
-              </a:spcAft>
-              <a:buClrTx/>
-              <a:buSzTx/>
-              <a:buFontTx/>
-              <a:buNone/>
-              <a:tabLst/>
+              <a:buFont typeface="Arial" panose="020B0604020202020204" pitchFamily="34" charset="0"/>
+              <a:buChar char="•"/>
+              <a:defRPr sz="2400" kern="1200">
+                <a:solidFill>
+                  <a:schemeClr val="tx1"/>
+                </a:solidFill>
+                <a:latin typeface="+mn-lt"/>
+                <a:ea typeface="+mn-ea"/>
+                <a:cs typeface="+mn-cs"/>
+              </a:defRPr>
+            </a:lvl2pPr>
+            <a:lvl3pPr marL="1143000" indent="-228600" algn="l" defTabSz="914400" rtl="0" eaLnBrk="1" latinLnBrk="0" hangingPunct="1">
+              <a:lnSpc>
+                <a:spcPct val="90000"/>
+              </a:lnSpc>
+              <a:spcBef>
+                <a:spcPts val="500"/>
+              </a:spcBef>
+              <a:buFont typeface="Arial" panose="020B0604020202020204" pitchFamily="34" charset="0"/>
+              <a:buChar char="•"/>
+              <a:defRPr sz="2000" kern="1200">
+                <a:solidFill>
+                  <a:schemeClr val="tx1"/>
+                </a:solidFill>
+                <a:latin typeface="+mn-lt"/>
+                <a:ea typeface="+mn-ea"/>
+                <a:cs typeface="+mn-cs"/>
+              </a:defRPr>
+            </a:lvl3pPr>
+            <a:lvl4pPr marL="1600200" indent="-228600" algn="l" defTabSz="914400" rtl="0" eaLnBrk="1" latinLnBrk="0" hangingPunct="1">
+              <a:lnSpc>
+                <a:spcPct val="90000"/>
+              </a:lnSpc>
+              <a:spcBef>
+                <a:spcPts val="500"/>
+              </a:spcBef>
+              <a:buFont typeface="Arial" panose="020B0604020202020204" pitchFamily="34" charset="0"/>
+              <a:buChar char="•"/>
+              <a:defRPr sz="1800" kern="1200">
+                <a:solidFill>
+                  <a:schemeClr val="tx1"/>
+                </a:solidFill>
+                <a:latin typeface="+mn-lt"/>
+                <a:ea typeface="+mn-ea"/>
+                <a:cs typeface="+mn-cs"/>
+              </a:defRPr>
+            </a:lvl4pPr>
+            <a:lvl5pPr marL="2057400" indent="-228600" algn="l" defTabSz="914400" rtl="0" eaLnBrk="1" latinLnBrk="0" hangingPunct="1">
+              <a:lnSpc>
+                <a:spcPct val="90000"/>
+              </a:lnSpc>
+              <a:spcBef>
+                <a:spcPts val="500"/>
+              </a:spcBef>
+              <a:buFont typeface="Arial" panose="020B0604020202020204" pitchFamily="34" charset="0"/>
+              <a:buChar char="•"/>
+              <a:defRPr sz="1800" kern="1200">
+                <a:solidFill>
+                  <a:schemeClr val="tx1"/>
+                </a:solidFill>
+                <a:latin typeface="+mn-lt"/>
+                <a:ea typeface="+mn-ea"/>
+                <a:cs typeface="+mn-cs"/>
+              </a:defRPr>
+            </a:lvl5pPr>
+            <a:lvl6pPr marL="2514600" indent="-228600" algn="l" defTabSz="914400" rtl="0" eaLnBrk="1" latinLnBrk="0" hangingPunct="1">
+              <a:lnSpc>
+                <a:spcPct val="90000"/>
+              </a:lnSpc>
+              <a:spcBef>
+                <a:spcPts val="500"/>
+              </a:spcBef>
+              <a:buFont typeface="Arial" panose="020B0604020202020204" pitchFamily="34" charset="0"/>
+              <a:buChar char="•"/>
+              <a:defRPr sz="1800" kern="1200">
+                <a:solidFill>
+                  <a:schemeClr val="tx1"/>
+                </a:solidFill>
+                <a:latin typeface="+mn-lt"/>
+                <a:ea typeface="+mn-ea"/>
+                <a:cs typeface="+mn-cs"/>
+              </a:defRPr>
+            </a:lvl6pPr>
+            <a:lvl7pPr marL="2971800" indent="-228600" algn="l" defTabSz="914400" rtl="0" eaLnBrk="1" latinLnBrk="0" hangingPunct="1">
+              <a:lnSpc>
+                <a:spcPct val="90000"/>
+              </a:lnSpc>
+              <a:spcBef>
+                <a:spcPts val="500"/>
+              </a:spcBef>
+              <a:buFont typeface="Arial" panose="020B0604020202020204" pitchFamily="34" charset="0"/>
+              <a:buChar char="•"/>
+              <a:defRPr sz="1800" kern="1200">
+                <a:solidFill>
+                  <a:schemeClr val="tx1"/>
+                </a:solidFill>
+                <a:latin typeface="+mn-lt"/>
+                <a:ea typeface="+mn-ea"/>
+                <a:cs typeface="+mn-cs"/>
+              </a:defRPr>
+            </a:lvl7pPr>
+            <a:lvl8pPr marL="3429000" indent="-228600" algn="l" defTabSz="914400" rtl="0" eaLnBrk="1" latinLnBrk="0" hangingPunct="1">
+              <a:lnSpc>
+                <a:spcPct val="90000"/>
+              </a:lnSpc>
+              <a:spcBef>
+                <a:spcPts val="500"/>
+              </a:spcBef>
+              <a:buFont typeface="Arial" panose="020B0604020202020204" pitchFamily="34" charset="0"/>
+              <a:buChar char="•"/>
+              <a:defRPr sz="1800" kern="1200">
+                <a:solidFill>
+                  <a:schemeClr val="tx1"/>
+                </a:solidFill>
+                <a:latin typeface="+mn-lt"/>
+                <a:ea typeface="+mn-ea"/>
+                <a:cs typeface="+mn-cs"/>
+              </a:defRPr>
+            </a:lvl8pPr>
+            <a:lvl9pPr marL="3886200" indent="-228600" algn="l" defTabSz="914400" rtl="0" eaLnBrk="1" latinLnBrk="0" hangingPunct="1">
+              <a:lnSpc>
+                <a:spcPct val="90000"/>
+              </a:lnSpc>
+              <a:spcBef>
+                <a:spcPts val="500"/>
+              </a:spcBef>
+              <a:buFont typeface="Arial" panose="020B0604020202020204" pitchFamily="34" charset="0"/>
+              <a:buChar char="•"/>
+              <a:defRPr sz="1800" kern="1200">
+                <a:solidFill>
+                  <a:schemeClr val="tx1"/>
+                </a:solidFill>
+                <a:latin typeface="+mn-lt"/>
+                <a:ea typeface="+mn-ea"/>
+                <a:cs typeface="+mn-cs"/>
+              </a:defRPr>
+            </a:lvl9pPr>
+          </a:lstStyle>
+          <a:p>
+            <a:pPr marL="0" indent="0">
+              <a:buNone/>
             </a:pPr>
             <a:r>
-              <a:rPr kumimoji="0" lang="zh-TW" altLang="zh-TW" sz="2000" b="0" i="0" u="none" strike="noStrike" cap="none" normalizeH="0" baseline="0" dirty="0">
+              <a:rPr lang="zh-TW" altLang="en-US" sz="2400" dirty="0">
+                <a:latin typeface="+mn-ea"/>
+              </a:rPr>
+              <a:t>看是一堆密密麻麻複雜的檔案，但透過下達</a:t>
+            </a:r>
+            <a:r>
+              <a:rPr kumimoji="0" lang="zh-TW" altLang="zh-TW" sz="2400" b="0" i="0" u="none" strike="noStrike" cap="none" normalizeH="0" baseline="0" dirty="0">
                 <a:ln>
                   <a:noFill/>
                 </a:ln>
                 <a:effectLst/>
-                <a:latin typeface="Arial Unicode MS"/>
-                <a:ea typeface="SFMono-Regular"/>
+                <a:latin typeface="+mn-ea"/>
               </a:rPr>
-              <a:t>Get-Command</a:t>
-            </a:r>
-            <a:r>
-              <a:rPr kumimoji="0" lang="zh-TW" altLang="zh-TW" sz="2000" b="0" i="0" u="none" strike="noStrike" cap="none" normalizeH="0" baseline="0" dirty="0">
+              <a:t>Get</a:t>
+            </a:r>
+            <a:r>
+              <a:rPr kumimoji="0" lang="en-US" altLang="zh-TW" sz="2400" b="0" i="0" u="none" strike="noStrike" cap="none" normalizeH="0" baseline="0" dirty="0">
                 <a:ln>
                   <a:noFill/>
                 </a:ln>
                 <a:effectLst/>
+                <a:latin typeface="+mn-ea"/>
               </a:rPr>
-              <a:t> </a:t>
-            </a:r>
-            <a:endParaRPr kumimoji="0" lang="zh-TW" altLang="zh-TW" sz="2000" b="0" i="0" u="none" strike="noStrike" cap="none" normalizeH="0" baseline="0" dirty="0">
-              <a:ln>
-                <a:noFill/>
-              </a:ln>
-              <a:effectLst/>
-              <a:latin typeface="Arial" panose="020B0604020202020204" pitchFamily="34" charset="0"/>
-            </a:endParaRPr>
-          </a:p>
-        </p:txBody>
-      </p:sp>
-      <p:pic>
-        <p:nvPicPr>
-          <p:cNvPr id="4" name="圖片 3"/>
-          <p:cNvPicPr>
-            <a:picLocks noChangeAspect="1"/>
-          </p:cNvPicPr>
-          <p:nvPr/>
-        </p:nvPicPr>
-        <p:blipFill>
-          <a:blip r:embed="rId2"/>
-          <a:stretch>
-            <a:fillRect/>
-          </a:stretch>
-        </p:blipFill>
-        <p:spPr>
-          <a:xfrm>
-            <a:off x="390917" y="1396537"/>
-            <a:ext cx="2522831" cy="2834641"/>
-          </a:xfrm>
-          <a:prstGeom prst="rect">
-            <a:avLst/>
-          </a:prstGeom>
-        </p:spPr>
-      </p:pic>
-      <p:pic>
-        <p:nvPicPr>
-          <p:cNvPr id="5" name="圖片 4"/>
-          <p:cNvPicPr>
-            <a:picLocks noChangeAspect="1"/>
-          </p:cNvPicPr>
-          <p:nvPr/>
-        </p:nvPicPr>
-        <p:blipFill>
-          <a:blip r:embed="rId3"/>
-          <a:stretch>
-            <a:fillRect/>
-          </a:stretch>
-        </p:blipFill>
-        <p:spPr>
-          <a:xfrm>
-            <a:off x="2913748" y="1396536"/>
-            <a:ext cx="2698169" cy="2877595"/>
-          </a:xfrm>
-          <a:prstGeom prst="rect">
-            <a:avLst/>
-          </a:prstGeom>
-        </p:spPr>
-      </p:pic>
-      <p:pic>
-        <p:nvPicPr>
-          <p:cNvPr id="6" name="圖片 5"/>
-          <p:cNvPicPr>
-            <a:picLocks noChangeAspect="1"/>
-          </p:cNvPicPr>
-          <p:nvPr/>
-        </p:nvPicPr>
-        <p:blipFill>
-          <a:blip r:embed="rId4"/>
-          <a:stretch>
-            <a:fillRect/>
-          </a:stretch>
-        </p:blipFill>
-        <p:spPr>
-          <a:xfrm>
-            <a:off x="5611917" y="1396535"/>
-            <a:ext cx="2590768" cy="3212681"/>
-          </a:xfrm>
-          <a:prstGeom prst="rect">
-            <a:avLst/>
-          </a:prstGeom>
-        </p:spPr>
-      </p:pic>
-    </p:spTree>
-    <p:extLst>
-      <p:ext uri="{BB962C8B-B14F-4D97-AF65-F5344CB8AC3E}">
-        <p14:creationId xmlns:p14="http://schemas.microsoft.com/office/powerpoint/2010/main" val="1245521775"/>
-      </p:ext>
-    </p:extLst>
-  </p:cSld>
-  <p:clrMapOvr>
-    <a:masterClrMapping/>
-  </p:clrMapOvr>
-</p:sld>
-</file>
-
-<file path=ppt/slides/slide18.xml><?xml version="1.0" encoding="utf-8"?>
-<p:sld xmlns:a="http://schemas.openxmlformats.org/drawingml/2006/main" xmlns:r="http://schemas.openxmlformats.org/officeDocument/2006/relationships" xmlns:p="http://schemas.openxmlformats.org/presentationml/2006/main">
-  <p:cSld>
-    <p:spTree>
-      <p:nvGrpSpPr>
-        <p:cNvPr id="1" name=""/>
-        <p:cNvGrpSpPr/>
-        <p:nvPr/>
-      </p:nvGrpSpPr>
-      <p:grpSpPr>
-        <a:xfrm>
-          <a:off x="0" y="0"/>
-          <a:ext cx="0" cy="0"/>
-          <a:chOff x="0" y="0"/>
-          <a:chExt cx="0" cy="0"/>
-        </a:xfrm>
-      </p:grpSpPr>
-      <p:sp>
-        <p:nvSpPr>
-          <p:cNvPr id="3" name="Rectangle 1"/>
-          <p:cNvSpPr>
-            <a:spLocks noGrp="1" noChangeArrowheads="1"/>
-          </p:cNvSpPr>
-          <p:nvPr>
-            <p:ph type="title"/>
-          </p:nvPr>
-        </p:nvSpPr>
-        <p:spPr bwMode="auto">
-          <a:xfrm>
-            <a:off x="796705" y="720131"/>
-            <a:ext cx="2741396" cy="615553"/>
-          </a:xfrm>
-          <a:prstGeom prst="rect">
-            <a:avLst/>
-          </a:prstGeom>
-          <a:noFill/>
-          <a:ln>
-            <a:noFill/>
-          </a:ln>
-          <a:effectLst/>
-          <a:extLst>
-            <a:ext uri="{909E8E84-426E-40DD-AFC4-6F175D3DCCD1}">
-              <a14:hiddenFill xmlns:a14="http://schemas.microsoft.com/office/drawing/2010/main">
-                <a:solidFill>
-                  <a:schemeClr val="accent1"/>
-                </a:solidFill>
-              </a14:hiddenFill>
-            </a:ext>
-            <a:ext uri="{91240B29-F687-4F45-9708-019B960494DF}">
-              <a14:hiddenLine xmlns:a14="http://schemas.microsoft.com/office/drawing/2010/main" w="9525">
-                <a:solidFill>
-                  <a:schemeClr val="tx1"/>
-                </a:solidFill>
-                <a:miter lim="800000"/>
-                <a:headEnd/>
-                <a:tailEnd/>
-              </a14:hiddenLine>
-            </a:ext>
-            <a:ext uri="{AF507438-7753-43E0-B8FC-AC1667EBCBE1}">
-              <a14:hiddenEffects xmlns:a14="http://schemas.microsoft.com/office/drawing/2010/main">
-                <a:effectLst>
-                  <a:outerShdw dist="35921" dir="2700000" algn="ctr" rotWithShape="0">
-                    <a:schemeClr val="bg2"/>
-                  </a:outerShdw>
-                </a:effectLst>
-              </a14:hiddenEffects>
-            </a:ext>
-          </a:extLst>
-        </p:spPr>
-        <p:txBody>
-          <a:bodyPr vert="horz" wrap="square" lIns="0" tIns="0" rIns="0" bIns="0" numCol="1" anchor="ctr" anchorCtr="0" compatLnSpc="1">
-            <a:prstTxWarp prst="textNoShape">
-              <a:avLst/>
-            </a:prstTxWarp>
-            <a:spAutoFit/>
-          </a:bodyPr>
-          <a:lstStyle/>
-          <a:p>
-            <a:pPr marL="0" marR="0" lvl="0" indent="0" algn="l" defTabSz="914400" rtl="0" eaLnBrk="0" fontAlgn="base" latinLnBrk="0" hangingPunct="0">
-              <a:lnSpc>
-                <a:spcPct val="100000"/>
-              </a:lnSpc>
-              <a:spcBef>
-                <a:spcPct val="0"/>
-              </a:spcBef>
-              <a:spcAft>
-                <a:spcPct val="0"/>
-              </a:spcAft>
-              <a:buClrTx/>
-              <a:buSzTx/>
-              <a:buFontTx/>
-              <a:buNone/>
-              <a:tabLst/>
-            </a:pPr>
-            <a:r>
-              <a:rPr kumimoji="0" lang="zh-TW" altLang="zh-TW" sz="2000" b="0" i="0" u="none" strike="noStrike" cap="none" normalizeH="0" baseline="0" dirty="0">
+              <a:t>-</a:t>
+            </a:r>
+            <a:r>
+              <a:rPr kumimoji="0" lang="zh-TW" altLang="zh-TW" sz="2400" b="0" i="0" u="none" strike="noStrike" cap="none" normalizeH="0" baseline="0" dirty="0">
                 <a:ln>
                   <a:noFill/>
                 </a:ln>
                 <a:effectLst/>
-                <a:latin typeface="Arial Unicode MS"/>
-                <a:ea typeface="SFMono-Regular"/>
+                <a:latin typeface="+mn-ea"/>
               </a:rPr>
-              <a:t>Get-Command -Type Cmdlet</a:t>
-            </a:r>
-            <a:r>
-              <a:rPr kumimoji="0" lang="zh-TW" altLang="zh-TW" sz="2000" b="0" i="0" u="none" strike="noStrike" cap="none" normalizeH="0" baseline="0" dirty="0">
+              <a:t>Command</a:t>
+            </a:r>
+            <a:r>
+              <a:rPr kumimoji="0" lang="zh-TW" altLang="en-US" sz="2400" b="0" i="0" u="none" strike="noStrike" cap="none" normalizeH="0" baseline="0" dirty="0">
                 <a:ln>
                   <a:noFill/>
                 </a:ln>
                 <a:effectLst/>
+                <a:latin typeface="+mn-ea"/>
               </a:rPr>
-              <a:t> </a:t>
-            </a:r>
-            <a:endParaRPr kumimoji="0" lang="zh-TW" altLang="zh-TW" sz="2000" b="0" i="0" u="none" strike="noStrike" cap="none" normalizeH="0" baseline="0" dirty="0">
-              <a:ln>
-                <a:noFill/>
-              </a:ln>
-              <a:effectLst/>
-              <a:latin typeface="Arial" panose="020B0604020202020204" pitchFamily="34" charset="0"/>
-            </a:endParaRPr>
-          </a:p>
-        </p:txBody>
-      </p:sp>
-      <p:pic>
-        <p:nvPicPr>
-          <p:cNvPr id="4" name="圖片 3"/>
-          <p:cNvPicPr>
-            <a:picLocks noChangeAspect="1"/>
-          </p:cNvPicPr>
-          <p:nvPr/>
-        </p:nvPicPr>
-        <p:blipFill>
-          <a:blip r:embed="rId2"/>
-          <a:stretch>
-            <a:fillRect/>
-          </a:stretch>
-        </p:blipFill>
-        <p:spPr>
-          <a:xfrm>
-            <a:off x="628650" y="1450343"/>
-            <a:ext cx="7487695" cy="4505954"/>
-          </a:xfrm>
-          <a:prstGeom prst="rect">
-            <a:avLst/>
-          </a:prstGeom>
-        </p:spPr>
-      </p:pic>
-      <p:sp>
-        <p:nvSpPr>
-          <p:cNvPr id="5" name="圓角矩形 4"/>
-          <p:cNvSpPr/>
-          <p:nvPr/>
-        </p:nvSpPr>
-        <p:spPr>
-          <a:xfrm>
-            <a:off x="490451" y="2227811"/>
-            <a:ext cx="947651" cy="3728486"/>
-          </a:xfrm>
-          <a:prstGeom prst="roundRect">
-            <a:avLst/>
-          </a:prstGeom>
-          <a:noFill/>
-          <a:ln w="38100">
-            <a:solidFill>
-              <a:srgbClr val="FF0000"/>
-            </a:solidFill>
-          </a:ln>
-        </p:spPr>
-        <p:style>
-          <a:lnRef idx="2">
-            <a:schemeClr val="accent1">
-              <a:shade val="50000"/>
-            </a:schemeClr>
-          </a:lnRef>
-          <a:fillRef idx="1">
-            <a:schemeClr val="accent1"/>
-          </a:fillRef>
-          <a:effectRef idx="0">
-            <a:schemeClr val="accent1"/>
-          </a:effectRef>
-          <a:fontRef idx="minor">
-            <a:schemeClr val="lt1"/>
-          </a:fontRef>
-        </p:style>
-        <p:txBody>
-          <a:bodyPr rtlCol="0" anchor="ctr"/>
-          <a:lstStyle/>
-          <a:p>
-            <a:pPr algn="ctr"/>
-            <a:endParaRPr lang="zh-TW" altLang="en-US"/>
-          </a:p>
-        </p:txBody>
-      </p:sp>
-      <p:sp>
-        <p:nvSpPr>
-          <p:cNvPr id="6" name="文字方塊 5"/>
-          <p:cNvSpPr txBox="1"/>
-          <p:nvPr/>
-        </p:nvSpPr>
-        <p:spPr>
-          <a:xfrm>
-            <a:off x="1663576" y="6106680"/>
-            <a:ext cx="646331" cy="369332"/>
-          </a:xfrm>
-          <a:prstGeom prst="rect">
-            <a:avLst/>
-          </a:prstGeom>
-          <a:noFill/>
-        </p:spPr>
-        <p:txBody>
-          <a:bodyPr wrap="none" rtlCol="0">
-            <a:spAutoFit/>
-          </a:bodyPr>
-          <a:lstStyle/>
-          <a:p>
-            <a:r>
-              <a:rPr lang="zh-TW" altLang="en-US" dirty="0"/>
-              <a:t>類別</a:t>
-            </a:r>
-          </a:p>
-        </p:txBody>
-      </p:sp>
-      <p:sp>
-        <p:nvSpPr>
-          <p:cNvPr id="7" name="向下箭號 6"/>
-          <p:cNvSpPr/>
-          <p:nvPr/>
-        </p:nvSpPr>
-        <p:spPr>
-          <a:xfrm rot="7370381">
-            <a:off x="1318137" y="6095997"/>
-            <a:ext cx="307571" cy="257694"/>
-          </a:xfrm>
-          <a:prstGeom prst="downArrow">
-            <a:avLst/>
-          </a:prstGeom>
-          <a:solidFill>
-            <a:srgbClr val="FF0000"/>
-          </a:solidFill>
-          <a:ln>
-            <a:solidFill>
-              <a:schemeClr val="accent2"/>
-            </a:solidFill>
-          </a:ln>
-        </p:spPr>
-        <p:style>
-          <a:lnRef idx="2">
-            <a:schemeClr val="accent1">
-              <a:shade val="50000"/>
-            </a:schemeClr>
-          </a:lnRef>
-          <a:fillRef idx="1">
-            <a:schemeClr val="accent1"/>
-          </a:fillRef>
-          <a:effectRef idx="0">
-            <a:schemeClr val="accent1"/>
-          </a:effectRef>
-          <a:fontRef idx="minor">
-            <a:schemeClr val="lt1"/>
-          </a:fontRef>
-        </p:style>
-        <p:txBody>
-          <a:bodyPr rtlCol="0" anchor="ctr"/>
-          <a:lstStyle/>
-          <a:p>
-            <a:pPr algn="ctr"/>
-            <a:endParaRPr lang="zh-TW" altLang="en-US">
-              <a:solidFill>
-                <a:schemeClr val="tx1"/>
-              </a:solidFill>
-            </a:endParaRPr>
+              <a:t>這類</a:t>
+            </a:r>
+            <a:r>
+              <a:rPr lang="zh-TW" altLang="en-US" sz="2400" dirty="0">
+                <a:latin typeface="+mn-ea"/>
+              </a:rPr>
+              <a:t>指令可以容易歸類檔案的類型、名稱順序。</a:t>
+            </a:r>
           </a:p>
         </p:txBody>
       </p:sp>
     </p:spTree>
     <p:extLst>
       <p:ext uri="{BB962C8B-B14F-4D97-AF65-F5344CB8AC3E}">
-        <p14:creationId xmlns:p14="http://schemas.microsoft.com/office/powerpoint/2010/main" val="1577389160"/>
-      </p:ext>
-    </p:extLst>
-  </p:cSld>
-  <p:clrMapOvr>
-    <a:masterClrMapping/>
-  </p:clrMapOvr>
-</p:sld>
-</file>
-
-<file path=ppt/slides/slide19.xml><?xml version="1.0" encoding="utf-8"?>
-<p:sld xmlns:a="http://schemas.openxmlformats.org/drawingml/2006/main" xmlns:r="http://schemas.openxmlformats.org/officeDocument/2006/relationships" xmlns:p="http://schemas.openxmlformats.org/presentationml/2006/main">
-  <p:cSld>
-    <p:spTree>
-      <p:nvGrpSpPr>
-        <p:cNvPr id="1" name=""/>
-        <p:cNvGrpSpPr/>
-        <p:nvPr/>
-      </p:nvGrpSpPr>
-      <p:grpSpPr>
-        <a:xfrm>
-          <a:off x="0" y="0"/>
-          <a:ext cx="0" cy="0"/>
-          <a:chOff x="0" y="0"/>
-          <a:chExt cx="0" cy="0"/>
-        </a:xfrm>
-      </p:grpSpPr>
-      <p:pic>
-        <p:nvPicPr>
-          <p:cNvPr id="3" name="圖片 2"/>
-          <p:cNvPicPr>
-            <a:picLocks noChangeAspect="1"/>
-          </p:cNvPicPr>
-          <p:nvPr/>
-        </p:nvPicPr>
-        <p:blipFill>
-          <a:blip r:embed="rId2"/>
-          <a:stretch>
-            <a:fillRect/>
-          </a:stretch>
-        </p:blipFill>
-        <p:spPr>
-          <a:xfrm>
-            <a:off x="628650" y="1853366"/>
-            <a:ext cx="7497221" cy="4477375"/>
-          </a:xfrm>
-          <a:prstGeom prst="rect">
-            <a:avLst/>
-          </a:prstGeom>
-        </p:spPr>
-      </p:pic>
-      <p:sp>
-        <p:nvSpPr>
-          <p:cNvPr id="4" name="Rectangle 1"/>
-          <p:cNvSpPr>
-            <a:spLocks noGrp="1" noChangeArrowheads="1"/>
-          </p:cNvSpPr>
-          <p:nvPr>
-            <p:ph type="title"/>
-          </p:nvPr>
-        </p:nvSpPr>
-        <p:spPr bwMode="auto">
-          <a:xfrm>
-            <a:off x="628650" y="874019"/>
-            <a:ext cx="5796459" cy="307777"/>
-          </a:xfrm>
-          <a:prstGeom prst="rect">
-            <a:avLst/>
-          </a:prstGeom>
-          <a:noFill/>
-          <a:ln>
-            <a:noFill/>
-          </a:ln>
-          <a:effectLst/>
-          <a:extLst>
-            <a:ext uri="{909E8E84-426E-40DD-AFC4-6F175D3DCCD1}">
-              <a14:hiddenFill xmlns:a14="http://schemas.microsoft.com/office/drawing/2010/main">
-                <a:solidFill>
-                  <a:schemeClr val="accent1"/>
-                </a:solidFill>
-              </a14:hiddenFill>
-            </a:ext>
-            <a:ext uri="{91240B29-F687-4F45-9708-019B960494DF}">
-              <a14:hiddenLine xmlns:a14="http://schemas.microsoft.com/office/drawing/2010/main" w="9525">
-                <a:solidFill>
-                  <a:schemeClr val="tx1"/>
-                </a:solidFill>
-                <a:miter lim="800000"/>
-                <a:headEnd/>
-                <a:tailEnd/>
-              </a14:hiddenLine>
-            </a:ext>
-            <a:ext uri="{AF507438-7753-43E0-B8FC-AC1667EBCBE1}">
-              <a14:hiddenEffects xmlns:a14="http://schemas.microsoft.com/office/drawing/2010/main">
-                <a:effectLst>
-                  <a:outerShdw dist="35921" dir="2700000" algn="ctr" rotWithShape="0">
-                    <a:schemeClr val="bg2"/>
-                  </a:outerShdw>
-                </a:effectLst>
-              </a14:hiddenEffects>
-            </a:ext>
-          </a:extLst>
-        </p:spPr>
-        <p:txBody>
-          <a:bodyPr vert="horz" wrap="none" lIns="0" tIns="0" rIns="0" bIns="0" numCol="1" anchor="ctr" anchorCtr="0" compatLnSpc="1">
-            <a:prstTxWarp prst="textNoShape">
-              <a:avLst/>
-            </a:prstTxWarp>
-            <a:spAutoFit/>
-          </a:bodyPr>
-          <a:lstStyle/>
-          <a:p>
-            <a:pPr marL="0" marR="0" lvl="0" indent="0" algn="l" defTabSz="914400" rtl="0" eaLnBrk="0" fontAlgn="base" latinLnBrk="0" hangingPunct="0">
-              <a:lnSpc>
-                <a:spcPct val="100000"/>
-              </a:lnSpc>
-              <a:spcBef>
-                <a:spcPct val="0"/>
-              </a:spcBef>
-              <a:spcAft>
-                <a:spcPct val="0"/>
-              </a:spcAft>
-              <a:buClrTx/>
-              <a:buSzTx/>
-              <a:buFontTx/>
-              <a:buNone/>
-              <a:tabLst/>
-            </a:pPr>
-            <a:r>
-              <a:rPr kumimoji="0" lang="zh-TW" altLang="zh-TW" sz="2000" b="0" i="0" u="none" strike="noStrike" cap="none" normalizeH="0" baseline="0" dirty="0">
-                <a:ln>
-                  <a:noFill/>
-                </a:ln>
-                <a:effectLst/>
-                <a:latin typeface="Arial Unicode MS"/>
-                <a:ea typeface="SFMono-Regular"/>
-              </a:rPr>
-              <a:t>Get-Command -Type Cmdlet | Sort-Object -Property Noun</a:t>
-            </a:r>
-            <a:r>
-              <a:rPr kumimoji="0" lang="zh-TW" altLang="zh-TW" sz="2000" b="0" i="0" u="none" strike="noStrike" cap="none" normalizeH="0" baseline="0" dirty="0">
-                <a:ln>
-                  <a:noFill/>
-                </a:ln>
-                <a:effectLst/>
-              </a:rPr>
-              <a:t> </a:t>
-            </a:r>
-            <a:endParaRPr kumimoji="0" lang="zh-TW" altLang="zh-TW" sz="2000" b="0" i="0" u="none" strike="noStrike" cap="none" normalizeH="0" baseline="0" dirty="0">
-              <a:ln>
-                <a:noFill/>
-              </a:ln>
-              <a:effectLst/>
-              <a:latin typeface="Arial" panose="020B0604020202020204" pitchFamily="34" charset="0"/>
-            </a:endParaRPr>
-          </a:p>
-        </p:txBody>
-      </p:sp>
-      <p:sp>
-        <p:nvSpPr>
-          <p:cNvPr id="5" name="圓角矩形 4"/>
-          <p:cNvSpPr/>
-          <p:nvPr/>
-        </p:nvSpPr>
-        <p:spPr>
-          <a:xfrm>
-            <a:off x="1521229" y="2286000"/>
-            <a:ext cx="3084022" cy="4181302"/>
-          </a:xfrm>
-          <a:prstGeom prst="roundRect">
-            <a:avLst/>
-          </a:prstGeom>
-          <a:noFill/>
-          <a:ln w="38100">
-            <a:solidFill>
-              <a:srgbClr val="FF0000"/>
-            </a:solidFill>
-          </a:ln>
-        </p:spPr>
-        <p:style>
-          <a:lnRef idx="2">
-            <a:schemeClr val="accent1">
-              <a:shade val="50000"/>
-            </a:schemeClr>
-          </a:lnRef>
-          <a:fillRef idx="1">
-            <a:schemeClr val="accent1"/>
-          </a:fillRef>
-          <a:effectRef idx="0">
-            <a:schemeClr val="accent1"/>
-          </a:effectRef>
-          <a:fontRef idx="minor">
-            <a:schemeClr val="lt1"/>
-          </a:fontRef>
-        </p:style>
-        <p:txBody>
-          <a:bodyPr rtlCol="0" anchor="ctr"/>
-          <a:lstStyle/>
-          <a:p>
-            <a:pPr algn="ctr"/>
-            <a:endParaRPr lang="zh-TW" altLang="en-US"/>
-          </a:p>
-        </p:txBody>
-      </p:sp>
-      <p:sp>
-        <p:nvSpPr>
-          <p:cNvPr id="6" name="向下箭號 5"/>
-          <p:cNvSpPr/>
-          <p:nvPr/>
-        </p:nvSpPr>
-        <p:spPr>
-          <a:xfrm rot="1624381">
-            <a:off x="3137153" y="1707121"/>
-            <a:ext cx="515389" cy="448887"/>
-          </a:xfrm>
-          <a:prstGeom prst="downArrow">
-            <a:avLst/>
-          </a:prstGeom>
-          <a:solidFill>
-            <a:srgbClr val="FF0000"/>
-          </a:solidFill>
-        </p:spPr>
-        <p:style>
-          <a:lnRef idx="2">
-            <a:schemeClr val="accent1">
-              <a:shade val="50000"/>
-            </a:schemeClr>
-          </a:lnRef>
-          <a:fillRef idx="1">
-            <a:schemeClr val="accent1"/>
-          </a:fillRef>
-          <a:effectRef idx="0">
-            <a:schemeClr val="accent1"/>
-          </a:effectRef>
-          <a:fontRef idx="minor">
-            <a:schemeClr val="lt1"/>
-          </a:fontRef>
-        </p:style>
-        <p:txBody>
-          <a:bodyPr rtlCol="0" anchor="ctr"/>
-          <a:lstStyle/>
-          <a:p>
-            <a:pPr algn="ctr"/>
-            <a:endParaRPr lang="zh-TW" altLang="en-US"/>
-          </a:p>
-        </p:txBody>
-      </p:sp>
-      <p:sp>
-        <p:nvSpPr>
-          <p:cNvPr id="7" name="文字方塊 6"/>
-          <p:cNvSpPr txBox="1"/>
-          <p:nvPr/>
-        </p:nvSpPr>
-        <p:spPr>
-          <a:xfrm>
-            <a:off x="3726456" y="1364566"/>
-            <a:ext cx="1800493" cy="369332"/>
-          </a:xfrm>
-          <a:prstGeom prst="rect">
-            <a:avLst/>
-          </a:prstGeom>
-          <a:noFill/>
-        </p:spPr>
-        <p:txBody>
-          <a:bodyPr wrap="none" rtlCol="0">
-            <a:spAutoFit/>
-          </a:bodyPr>
-          <a:lstStyle/>
-          <a:p>
-            <a:r>
-              <a:rPr lang="zh-TW" altLang="en-US" dirty="0"/>
-              <a:t>名稱照字母排序</a:t>
-            </a:r>
-          </a:p>
-        </p:txBody>
-      </p:sp>
-    </p:spTree>
-    <p:extLst>
-      <p:ext uri="{BB962C8B-B14F-4D97-AF65-F5344CB8AC3E}">
-        <p14:creationId xmlns:p14="http://schemas.microsoft.com/office/powerpoint/2010/main" val="4076543008"/>
+        <p14:creationId xmlns:p14="http://schemas.microsoft.com/office/powerpoint/2010/main" val="2927095957"/>
       </p:ext>
     </p:extLst>
   </p:cSld>
@@ -5196,6 +4644,285 @@
 </file>
 
 <file path=ppt/slides/slide3.xml><?xml version="1.0" encoding="utf-8"?>
+<p:sld xmlns:a="http://schemas.openxmlformats.org/drawingml/2006/main" xmlns:r="http://schemas.openxmlformats.org/officeDocument/2006/relationships" xmlns:p="http://schemas.openxmlformats.org/presentationml/2006/main">
+  <p:cSld>
+    <p:spTree>
+      <p:nvGrpSpPr>
+        <p:cNvPr id="1" name=""/>
+        <p:cNvGrpSpPr/>
+        <p:nvPr/>
+      </p:nvGrpSpPr>
+      <p:grpSpPr>
+        <a:xfrm>
+          <a:off x="0" y="0"/>
+          <a:ext cx="0" cy="0"/>
+          <a:chOff x="0" y="0"/>
+          <a:chExt cx="0" cy="0"/>
+        </a:xfrm>
+      </p:grpSpPr>
+      <p:sp>
+        <p:nvSpPr>
+          <p:cNvPr id="2" name="標題 1">
+            <a:extLst>
+              <a:ext uri="{FF2B5EF4-FFF2-40B4-BE49-F238E27FC236}">
+                <a16:creationId xmlns:a16="http://schemas.microsoft.com/office/drawing/2014/main" id="{3CCD5757-9822-4881-9177-8CAB8562F5AB}"/>
+              </a:ext>
+            </a:extLst>
+          </p:cNvPr>
+          <p:cNvSpPr>
+            <a:spLocks noGrp="1"/>
+          </p:cNvSpPr>
+          <p:nvPr>
+            <p:ph type="title"/>
+          </p:nvPr>
+        </p:nvSpPr>
+        <p:spPr/>
+        <p:txBody>
+          <a:bodyPr/>
+          <a:lstStyle/>
+          <a:p>
+            <a:r>
+              <a:rPr lang="en-US" altLang="zh-TW" dirty="0"/>
+              <a:t>PowerShell</a:t>
+            </a:r>
+            <a:endParaRPr lang="zh-TW" altLang="en-US" dirty="0"/>
+          </a:p>
+        </p:txBody>
+      </p:sp>
+      <p:sp>
+        <p:nvSpPr>
+          <p:cNvPr id="7" name="文字方塊 6">
+            <a:extLst>
+              <a:ext uri="{FF2B5EF4-FFF2-40B4-BE49-F238E27FC236}">
+                <a16:creationId xmlns:a16="http://schemas.microsoft.com/office/drawing/2014/main" id="{845EF3AD-82A1-4AF6-A3F3-A2F225686DE7}"/>
+              </a:ext>
+            </a:extLst>
+          </p:cNvPr>
+          <p:cNvSpPr txBox="1"/>
+          <p:nvPr/>
+        </p:nvSpPr>
+        <p:spPr>
+          <a:xfrm>
+            <a:off x="1121434" y="1372383"/>
+            <a:ext cx="6901131" cy="369332"/>
+          </a:xfrm>
+          <a:prstGeom prst="rect">
+            <a:avLst/>
+          </a:prstGeom>
+          <a:noFill/>
+          <a:ln>
+            <a:solidFill>
+              <a:schemeClr val="accent1">
+                <a:lumMod val="75000"/>
+              </a:schemeClr>
+            </a:solidFill>
+          </a:ln>
+          <a:effectLst>
+            <a:glow rad="101600">
+              <a:schemeClr val="accent1">
+                <a:satMod val="175000"/>
+                <a:alpha val="40000"/>
+              </a:schemeClr>
+            </a:glow>
+          </a:effectLst>
+        </p:spPr>
+        <p:txBody>
+          <a:bodyPr wrap="square" rtlCol="0">
+            <a:spAutoFit/>
+          </a:bodyPr>
+          <a:lstStyle/>
+          <a:p>
+            <a:r>
+              <a:rPr lang="en-US" altLang="zh-TW" dirty="0"/>
+              <a:t>https://zh.wikipedia.org/zh-tw/Windows_PowerShell</a:t>
+            </a:r>
+            <a:endParaRPr lang="zh-TW" altLang="en-US" dirty="0"/>
+          </a:p>
+        </p:txBody>
+      </p:sp>
+      <p:sp>
+        <p:nvSpPr>
+          <p:cNvPr id="8" name="內容版面配置區 2">
+            <a:extLst>
+              <a:ext uri="{FF2B5EF4-FFF2-40B4-BE49-F238E27FC236}">
+                <a16:creationId xmlns:a16="http://schemas.microsoft.com/office/drawing/2014/main" id="{4F4F7677-8FF9-4B99-A09B-89F4CCF9A2FF}"/>
+              </a:ext>
+            </a:extLst>
+          </p:cNvPr>
+          <p:cNvSpPr>
+            <a:spLocks noGrp="1"/>
+          </p:cNvSpPr>
+          <p:nvPr>
+            <p:ph idx="1"/>
+          </p:nvPr>
+        </p:nvSpPr>
+        <p:spPr>
+          <a:xfrm>
+            <a:off x="628650" y="1908646"/>
+            <a:ext cx="7886700" cy="4584228"/>
+          </a:xfrm>
+        </p:spPr>
+        <p:txBody>
+          <a:bodyPr>
+            <a:normAutofit/>
+          </a:bodyPr>
+          <a:lstStyle/>
+          <a:p>
+            <a:r>
+              <a:rPr lang="en-US" altLang="zh-TW" sz="2400" dirty="0">
+                <a:latin typeface="+mn-ea"/>
+              </a:rPr>
+              <a:t>PowerShell(</a:t>
+            </a:r>
+            <a:r>
+              <a:rPr lang="zh-TW" altLang="en-US" sz="2400" dirty="0">
+                <a:latin typeface="+mn-ea"/>
+              </a:rPr>
+              <a:t>包括</a:t>
+            </a:r>
+            <a:r>
+              <a:rPr lang="en-US" altLang="zh-TW" sz="2400" dirty="0" err="1">
+                <a:latin typeface="+mn-ea"/>
+              </a:rPr>
+              <a:t>WindowsPowerShell</a:t>
+            </a:r>
+            <a:r>
+              <a:rPr lang="zh-TW" altLang="en-US" sz="2400" dirty="0">
+                <a:latin typeface="+mn-ea"/>
+              </a:rPr>
+              <a:t>和</a:t>
+            </a:r>
+            <a:r>
+              <a:rPr lang="en-US" altLang="zh-TW" sz="2400" dirty="0">
+                <a:latin typeface="+mn-ea"/>
+              </a:rPr>
+              <a:t>PowerShell Core)</a:t>
+            </a:r>
+            <a:r>
+              <a:rPr lang="zh-TW" altLang="en-US" sz="2400" dirty="0">
+                <a:latin typeface="+mn-ea"/>
+              </a:rPr>
+              <a:t>是</a:t>
+            </a:r>
+            <a:r>
+              <a:rPr lang="zh-TW" altLang="en-US" sz="2400" dirty="0">
+                <a:latin typeface="+mn-ea"/>
+                <a:hlinkClick r:id="rId2"/>
+              </a:rPr>
+              <a:t>微軟公司</a:t>
+            </a:r>
+            <a:r>
+              <a:rPr lang="zh-TW" altLang="en-US" sz="2400" dirty="0">
+                <a:latin typeface="+mn-ea"/>
+              </a:rPr>
+              <a:t>開發的任務自動化和</a:t>
+            </a:r>
+            <a:r>
+              <a:rPr lang="zh-TW" altLang="en-US" sz="2400" dirty="0">
+                <a:latin typeface="+mn-ea"/>
+                <a:hlinkClick r:id="rId3"/>
+              </a:rPr>
+              <a:t>組態管理</a:t>
+            </a:r>
+            <a:r>
+              <a:rPr lang="zh-TW" altLang="en-US" sz="2400" dirty="0">
+                <a:latin typeface="+mn-ea"/>
+              </a:rPr>
+              <a:t>框架</a:t>
+            </a:r>
+            <a:endParaRPr lang="en-US" altLang="zh-TW" sz="2400" dirty="0">
+              <a:latin typeface="+mn-ea"/>
+            </a:endParaRPr>
+          </a:p>
+          <a:p>
+            <a:r>
+              <a:rPr lang="zh-TW" altLang="en-US" sz="2400" dirty="0">
+                <a:latin typeface="+mn-ea"/>
+              </a:rPr>
+              <a:t>一致性的設計讓所有工具和系統資料的使用語法、命名原則都相同。</a:t>
+            </a:r>
+            <a:endParaRPr lang="en-US" altLang="zh-TW" sz="2400" dirty="0">
+              <a:latin typeface="+mn-ea"/>
+            </a:endParaRPr>
+          </a:p>
+          <a:p>
+            <a:r>
+              <a:rPr lang="zh-TW" altLang="en-US" sz="2400" dirty="0">
+                <a:latin typeface="+mn-ea"/>
+              </a:rPr>
+              <a:t>手稿語言簡單易學，而且能支援現有的指令碼程式和命令工具。</a:t>
+            </a:r>
+            <a:endParaRPr lang="en-US" altLang="zh-TW" sz="2400" dirty="0">
+              <a:latin typeface="+mn-ea"/>
+            </a:endParaRPr>
+          </a:p>
+          <a:p>
+            <a:r>
+              <a:rPr lang="zh-TW" altLang="en-US" sz="2400" dirty="0">
+                <a:latin typeface="+mn-ea"/>
+              </a:rPr>
+              <a:t>具備完整的擴充功能，獨立軟體商或開發者都能很容易的自行擴充。</a:t>
+            </a:r>
+            <a:endParaRPr lang="en-US" altLang="zh-TW" sz="2400" dirty="0">
+              <a:latin typeface="+mn-ea"/>
+            </a:endParaRPr>
+          </a:p>
+          <a:p>
+            <a:r>
+              <a:rPr lang="zh-TW" altLang="en-US" sz="2400" dirty="0">
+                <a:latin typeface="+mn-ea"/>
+              </a:rPr>
+              <a:t>行程間資料傳遞內容具有強行別特徵。</a:t>
+            </a:r>
+            <a:endParaRPr lang="en-US" altLang="zh-TW" sz="2400" dirty="0">
+              <a:latin typeface="+mn-ea"/>
+            </a:endParaRPr>
+          </a:p>
+          <a:p>
+            <a:r>
+              <a:rPr lang="en-US" altLang="zh-TW" sz="2400" dirty="0"/>
+              <a:t>PowerShell Core</a:t>
+            </a:r>
+            <a:r>
+              <a:rPr lang="zh-TW" altLang="en-US" sz="2400" dirty="0"/>
+              <a:t>可以自動檢測適合的編碼，自動識別</a:t>
+            </a:r>
+            <a:r>
+              <a:rPr lang="en-US" altLang="zh-TW" sz="2400" dirty="0"/>
+              <a:t>Linux </a:t>
+            </a:r>
+            <a:r>
+              <a:rPr lang="zh-TW" altLang="en-US" sz="2400" dirty="0"/>
+              <a:t>和 </a:t>
+            </a:r>
+            <a:r>
+              <a:rPr lang="en-US" altLang="zh-TW" sz="2400" dirty="0"/>
+              <a:t>Windows </a:t>
+            </a:r>
+            <a:r>
+              <a:rPr lang="zh-TW" altLang="en-US" sz="2400" dirty="0"/>
+              <a:t>下的換行符，跨平台。</a:t>
+            </a:r>
+            <a:endParaRPr lang="zh-TW" altLang="en-US" sz="2400" dirty="0">
+              <a:latin typeface="+mn-ea"/>
+            </a:endParaRPr>
+          </a:p>
+        </p:txBody>
+      </p:sp>
+    </p:spTree>
+    <p:extLst>
+      <p:ext uri="{BB962C8B-B14F-4D97-AF65-F5344CB8AC3E}">
+        <p14:creationId xmlns:p14="http://schemas.microsoft.com/office/powerpoint/2010/main" val="991102902"/>
+      </p:ext>
+    </p:extLst>
+  </p:cSld>
+  <p:clrMapOvr>
+    <a:masterClrMapping/>
+  </p:clrMapOvr>
+</p:sld>
+</file>
+
+<file path=ppt/slides/slide4.xml><?xml version="1.0" encoding="utf-8"?>
 <p:sld xmlns:a="http://schemas.openxmlformats.org/drawingml/2006/main" xmlns:r="http://schemas.openxmlformats.org/officeDocument/2006/relationships" xmlns:p="http://schemas.openxmlformats.org/presentationml/2006/main">
   <p:cSld>
     <p:spTree>
@@ -5427,7 +5154,7 @@
 </p:sld>
 </file>
 
-<file path=ppt/slides/slide4.xml><?xml version="1.0" encoding="utf-8"?>
+<file path=ppt/slides/slide5.xml><?xml version="1.0" encoding="utf-8"?>
 <p:sld xmlns:a="http://schemas.openxmlformats.org/drawingml/2006/main" xmlns:r="http://schemas.openxmlformats.org/officeDocument/2006/relationships" xmlns:p="http://schemas.openxmlformats.org/presentationml/2006/main">
   <p:cSld>
     <p:spTree>
@@ -5525,150 +5252,6 @@
 </p:sld>
 </file>
 
-<file path=ppt/slides/slide5.xml><?xml version="1.0" encoding="utf-8"?>
-<p:sld xmlns:a="http://schemas.openxmlformats.org/drawingml/2006/main" xmlns:r="http://schemas.openxmlformats.org/officeDocument/2006/relationships" xmlns:p="http://schemas.openxmlformats.org/presentationml/2006/main">
-  <p:cSld>
-    <p:spTree>
-      <p:nvGrpSpPr>
-        <p:cNvPr id="1" name=""/>
-        <p:cNvGrpSpPr/>
-        <p:nvPr/>
-      </p:nvGrpSpPr>
-      <p:grpSpPr>
-        <a:xfrm>
-          <a:off x="0" y="0"/>
-          <a:ext cx="0" cy="0"/>
-          <a:chOff x="0" y="0"/>
-          <a:chExt cx="0" cy="0"/>
-        </a:xfrm>
-      </p:grpSpPr>
-      <p:sp>
-        <p:nvSpPr>
-          <p:cNvPr id="3" name="Rectangle 1"/>
-          <p:cNvSpPr>
-            <a:spLocks noGrp="1" noChangeArrowheads="1"/>
-          </p:cNvSpPr>
-          <p:nvPr>
-            <p:ph type="title"/>
-          </p:nvPr>
-        </p:nvSpPr>
-        <p:spPr bwMode="auto">
-          <a:xfrm>
-            <a:off x="628650" y="889408"/>
-            <a:ext cx="5307543" cy="276999"/>
-          </a:xfrm>
-          <a:prstGeom prst="rect">
-            <a:avLst/>
-          </a:prstGeom>
-          <a:noFill/>
-          <a:ln>
-            <a:noFill/>
-          </a:ln>
-          <a:effectLst/>
-          <a:extLst>
-            <a:ext uri="{909E8E84-426E-40DD-AFC4-6F175D3DCCD1}">
-              <a14:hiddenFill xmlns:a14="http://schemas.microsoft.com/office/drawing/2010/main">
-                <a:solidFill>
-                  <a:schemeClr val="accent1"/>
-                </a:solidFill>
-              </a14:hiddenFill>
-            </a:ext>
-            <a:ext uri="{91240B29-F687-4F45-9708-019B960494DF}">
-              <a14:hiddenLine xmlns:a14="http://schemas.microsoft.com/office/drawing/2010/main" w="9525">
-                <a:solidFill>
-                  <a:schemeClr val="tx1"/>
-                </a:solidFill>
-                <a:miter lim="800000"/>
-                <a:headEnd/>
-                <a:tailEnd/>
-              </a14:hiddenLine>
-            </a:ext>
-            <a:ext uri="{AF507438-7753-43E0-B8FC-AC1667EBCBE1}">
-              <a14:hiddenEffects xmlns:a14="http://schemas.microsoft.com/office/drawing/2010/main">
-                <a:effectLst>
-                  <a:outerShdw dist="35921" dir="2700000" algn="ctr" rotWithShape="0">
-                    <a:schemeClr val="bg2"/>
-                  </a:outerShdw>
-                </a:effectLst>
-              </a14:hiddenEffects>
-            </a:ext>
-          </a:extLst>
-        </p:spPr>
-        <p:txBody>
-          <a:bodyPr vert="horz" wrap="none" lIns="0" tIns="0" rIns="0" bIns="0" numCol="1" anchor="ctr" anchorCtr="0" compatLnSpc="1">
-            <a:prstTxWarp prst="textNoShape">
-              <a:avLst/>
-            </a:prstTxWarp>
-            <a:spAutoFit/>
-          </a:bodyPr>
-          <a:lstStyle/>
-          <a:p>
-            <a:pPr marL="0" marR="0" lvl="0" indent="0" algn="l" defTabSz="914400" rtl="0" eaLnBrk="0" fontAlgn="base" latinLnBrk="0" hangingPunct="0">
-              <a:lnSpc>
-                <a:spcPct val="100000"/>
-              </a:lnSpc>
-              <a:spcBef>
-                <a:spcPct val="0"/>
-              </a:spcBef>
-              <a:spcAft>
-                <a:spcPct val="0"/>
-              </a:spcAft>
-              <a:buClrTx/>
-              <a:buSzTx/>
-              <a:buFontTx/>
-              <a:buNone/>
-              <a:tabLst/>
-            </a:pPr>
-            <a:r>
-              <a:rPr kumimoji="0" lang="zh-TW" altLang="zh-TW" sz="1800" b="0" i="0" u="none" strike="noStrike" cap="none" normalizeH="0" baseline="0" dirty="0">
-                <a:ln>
-                  <a:noFill/>
-                </a:ln>
-                <a:effectLst/>
-                <a:latin typeface="+mj-ea"/>
-              </a:rPr>
-              <a:t>PowerShell == command line shell ==&gt;執行常用的cmdlet </a:t>
-            </a:r>
-          </a:p>
-        </p:txBody>
-      </p:sp>
-      <p:pic>
-        <p:nvPicPr>
-          <p:cNvPr id="4" name="圖片 3"/>
-          <p:cNvPicPr>
-            <a:picLocks noChangeAspect="1"/>
-          </p:cNvPicPr>
-          <p:nvPr/>
-        </p:nvPicPr>
-        <p:blipFill>
-          <a:blip r:embed="rId2"/>
-          <a:stretch>
-            <a:fillRect/>
-          </a:stretch>
-        </p:blipFill>
-        <p:spPr>
-          <a:xfrm>
-            <a:off x="628649" y="1906093"/>
-            <a:ext cx="6600603" cy="3462612"/>
-          </a:xfrm>
-          <a:prstGeom prst="rect">
-            <a:avLst/>
-          </a:prstGeom>
-        </p:spPr>
-      </p:pic>
-    </p:spTree>
-    <p:extLst>
-      <p:ext uri="{BB962C8B-B14F-4D97-AF65-F5344CB8AC3E}">
-        <p14:creationId xmlns:p14="http://schemas.microsoft.com/office/powerpoint/2010/main" val="620057219"/>
-      </p:ext>
-    </p:extLst>
-  </p:cSld>
-  <p:clrMapOvr>
-    <a:masterClrMapping/>
-  </p:clrMapOvr>
-</p:sld>
-</file>
-
 <file path=ppt/slides/slide6.xml><?xml version="1.0" encoding="utf-8"?>
 <p:sld xmlns:a="http://schemas.openxmlformats.org/drawingml/2006/main" xmlns:r="http://schemas.openxmlformats.org/officeDocument/2006/relationships" xmlns:p="http://schemas.openxmlformats.org/presentationml/2006/main">
   <p:cSld>
@@ -5688,7 +5271,13 @@
       </p:grpSpPr>
       <p:sp>
         <p:nvSpPr>
-          <p:cNvPr id="2" name="標題 1"/>
+          <p:cNvPr id="2" name="標題 1">
+            <a:extLst>
+              <a:ext uri="{FF2B5EF4-FFF2-40B4-BE49-F238E27FC236}">
+                <a16:creationId xmlns:a16="http://schemas.microsoft.com/office/drawing/2014/main" id="{2DA5254C-551D-4329-85A7-B261A1E13644}"/>
+              </a:ext>
+            </a:extLst>
+          </p:cNvPr>
           <p:cNvSpPr>
             <a:spLocks noGrp="1"/>
           </p:cNvSpPr>
@@ -5701,13 +5290,23 @@
           <a:bodyPr/>
           <a:lstStyle/>
           <a:p>
-            <a:endParaRPr lang="zh-TW" altLang="en-US"/>
+            <a:r>
+              <a:rPr lang="en-US" altLang="zh-TW" dirty="0"/>
+              <a:t>CMD=&gt;ping /?</a:t>
+            </a:r>
+            <a:endParaRPr lang="zh-TW" altLang="en-US" dirty="0"/>
           </a:p>
         </p:txBody>
       </p:sp>
       <p:pic>
         <p:nvPicPr>
-          <p:cNvPr id="3" name="圖片 2"/>
+          <p:cNvPr id="3" name="圖片 2">
+            <a:extLst>
+              <a:ext uri="{FF2B5EF4-FFF2-40B4-BE49-F238E27FC236}">
+                <a16:creationId xmlns:a16="http://schemas.microsoft.com/office/drawing/2014/main" id="{1F8DDE86-DCC4-4064-934A-F342D6C3EC84}"/>
+              </a:ext>
+            </a:extLst>
+          </p:cNvPr>
           <p:cNvPicPr>
             <a:picLocks noChangeAspect="1"/>
           </p:cNvPicPr>
@@ -5721,18 +5320,76 @@
         </p:blipFill>
         <p:spPr>
           <a:xfrm>
-            <a:off x="628650" y="2194559"/>
-            <a:ext cx="7409757" cy="4157487"/>
+            <a:off x="628650" y="1697694"/>
+            <a:ext cx="6600603" cy="3462612"/>
           </a:xfrm>
           <a:prstGeom prst="rect">
             <a:avLst/>
           </a:prstGeom>
         </p:spPr>
       </p:pic>
+      <p:sp>
+        <p:nvSpPr>
+          <p:cNvPr id="5" name="文字方塊 4">
+            <a:extLst>
+              <a:ext uri="{FF2B5EF4-FFF2-40B4-BE49-F238E27FC236}">
+                <a16:creationId xmlns:a16="http://schemas.microsoft.com/office/drawing/2014/main" id="{97601EEC-345F-4CAB-A994-DCC1248724B8}"/>
+              </a:ext>
+            </a:extLst>
+          </p:cNvPr>
+          <p:cNvSpPr txBox="1"/>
+          <p:nvPr/>
+        </p:nvSpPr>
+        <p:spPr>
+          <a:xfrm>
+            <a:off x="4381877" y="827852"/>
+            <a:ext cx="3241140" cy="400110"/>
+          </a:xfrm>
+          <a:prstGeom prst="rect">
+            <a:avLst/>
+          </a:prstGeom>
+          <a:noFill/>
+        </p:spPr>
+        <p:txBody>
+          <a:bodyPr wrap="square" rtlCol="0">
+            <a:spAutoFit/>
+          </a:bodyPr>
+          <a:lstStyle/>
+          <a:p>
+            <a:r>
+              <a:rPr lang="en-US" altLang="zh-TW" sz="2000" dirty="0">
+                <a:solidFill>
+                  <a:srgbClr val="FF0000"/>
+                </a:solidFill>
+                <a:latin typeface="+mn-ea"/>
+              </a:rPr>
+              <a:t>(</a:t>
+            </a:r>
+            <a:r>
+              <a:rPr lang="zh-TW" altLang="en-US" sz="2000" dirty="0">
+                <a:solidFill>
+                  <a:srgbClr val="FF0000"/>
+                </a:solidFill>
+                <a:latin typeface="+mn-ea"/>
+              </a:rPr>
+              <a:t>請以系統管理員執行</a:t>
+            </a:r>
+            <a:r>
+              <a:rPr lang="en-US" altLang="zh-TW" sz="2000" dirty="0">
+                <a:solidFill>
+                  <a:srgbClr val="FF0000"/>
+                </a:solidFill>
+                <a:latin typeface="+mn-ea"/>
+              </a:rPr>
+              <a:t>CMD)</a:t>
+            </a:r>
+          </a:p>
+        </p:txBody>
+      </p:sp>
     </p:spTree>
     <p:extLst>
       <p:ext uri="{BB962C8B-B14F-4D97-AF65-F5344CB8AC3E}">
-        <p14:creationId xmlns:p14="http://schemas.microsoft.com/office/powerpoint/2010/main" val="1209128539"/>
+        <p14:creationId xmlns:p14="http://schemas.microsoft.com/office/powerpoint/2010/main" val="1381830544"/>
       </p:ext>
     </p:extLst>
   </p:cSld>
@@ -6123,7 +5780,11 @@
           <a:lstStyle/>
           <a:p>
             <a:r>
-              <a:rPr lang="zh-TW" altLang="en-US" dirty="0"/>
+              <a:rPr lang="zh-TW" altLang="en-US" b="1" dirty="0">
+                <a:solidFill>
+                  <a:srgbClr val="FF0000"/>
+                </a:solidFill>
+              </a:rPr>
               <a:t>搜尋檔案名稱</a:t>
             </a:r>
           </a:p>
